--- a/0120-Platinen/Formsignal-Stepper-ESP32C3/Formsignal.pptx
+++ b/0120-Platinen/Formsignal-Stepper-ESP32C3/Formsignal.pptx
@@ -5,10 +5,11 @@
     <p:sldMasterId id="2147483648" r:id="rId1"/>
   </p:sldMasterIdLst>
   <p:notesMasterIdLst>
-    <p:notesMasterId r:id="rId3"/>
+    <p:notesMasterId r:id="rId4"/>
   </p:notesMasterIdLst>
   <p:sldIdLst>
     <p:sldId id="256" r:id="rId2"/>
+    <p:sldId id="257" r:id="rId3"/>
   </p:sldIdLst>
   <p:sldSz cx="12192000" cy="6858000"/>
   <p:notesSz cx="6858000" cy="9144000"/>
@@ -115,12 +116,20 @@
 </p:presentation>
 </file>
 
+<file path=ppt/revisionInfo.xml><?xml version="1.0" encoding="utf-8"?>
+<p1510:revInfo xmlns:a="http://schemas.openxmlformats.org/drawingml/2006/main" xmlns:r="http://schemas.openxmlformats.org/officeDocument/2006/relationships" xmlns:p1510="http://schemas.microsoft.com/office/powerpoint/2015/10/main">
+  <p1510:revLst>
+    <p1510:client id="{5C88C9BE-227C-4ACC-93B3-854EC21ACB1F}" v="2" dt="2024-09-04T13:34:44.576"/>
+  </p1510:revLst>
+</p1510:revInfo>
+</file>
+
 <file path=ppt/changesInfos/changesInfo1.xml><?xml version="1.0" encoding="utf-8"?>
 <pc:chgInfo xmlns:a="http://schemas.openxmlformats.org/drawingml/2006/main" xmlns:r="http://schemas.openxmlformats.org/officeDocument/2006/relationships" xmlns:ac="http://schemas.microsoft.com/office/drawing/2013/main/command" xmlns:pc="http://schemas.microsoft.com/office/powerpoint/2013/main/command">
   <pc:docChgLst>
     <pc:chgData name="Gustav Wostrack" userId="cc7ed41d47f5cfbd" providerId="LiveId" clId="{5C88C9BE-227C-4ACC-93B3-854EC21ACB1F}"/>
-    <pc:docChg chg="modSld">
-      <pc:chgData name="Gustav Wostrack" userId="cc7ed41d47f5cfbd" providerId="LiveId" clId="{5C88C9BE-227C-4ACC-93B3-854EC21ACB1F}" dt="2024-08-01T07:31:46.707" v="40" actId="1037"/>
+    <pc:docChg chg="addSld modSld">
+      <pc:chgData name="Gustav Wostrack" userId="cc7ed41d47f5cfbd" providerId="LiveId" clId="{5C88C9BE-227C-4ACC-93B3-854EC21ACB1F}" dt="2024-09-04T13:39:48.618" v="153" actId="1035"/>
       <pc:docMkLst>
         <pc:docMk/>
       </pc:docMkLst>
@@ -146,6 +155,29 @@
             <ac:cxnSpMk id="11" creationId="{A7DB3794-09BD-CB20-F000-F15251813774}"/>
           </ac:cxnSpMkLst>
         </pc:cxnChg>
+      </pc:sldChg>
+      <pc:sldChg chg="addSp modSp new mod">
+        <pc:chgData name="Gustav Wostrack" userId="cc7ed41d47f5cfbd" providerId="LiveId" clId="{5C88C9BE-227C-4ACC-93B3-854EC21ACB1F}" dt="2024-09-04T13:39:48.618" v="153" actId="1035"/>
+        <pc:sldMkLst>
+          <pc:docMk/>
+          <pc:sldMk cId="4001649122" sldId="257"/>
+        </pc:sldMkLst>
+        <pc:picChg chg="add mod ord modCrop">
+          <ac:chgData name="Gustav Wostrack" userId="cc7ed41d47f5cfbd" providerId="LiveId" clId="{5C88C9BE-227C-4ACC-93B3-854EC21ACB1F}" dt="2024-09-04T13:39:48.618" v="153" actId="1035"/>
+          <ac:picMkLst>
+            <pc:docMk/>
+            <pc:sldMk cId="4001649122" sldId="257"/>
+            <ac:picMk id="3" creationId="{3D44039F-2206-8CEB-64EC-A4E397C15D97}"/>
+          </ac:picMkLst>
+        </pc:picChg>
+        <pc:picChg chg="add mod ord modCrop">
+          <ac:chgData name="Gustav Wostrack" userId="cc7ed41d47f5cfbd" providerId="LiveId" clId="{5C88C9BE-227C-4ACC-93B3-854EC21ACB1F}" dt="2024-09-04T13:37:18.067" v="68" actId="1076"/>
+          <ac:picMkLst>
+            <pc:docMk/>
+            <pc:sldMk cId="4001649122" sldId="257"/>
+            <ac:picMk id="4" creationId="{343741A7-8F15-1CAE-942E-5F6D35E31463}"/>
+          </ac:picMkLst>
+        </pc:picChg>
       </pc:sldChg>
     </pc:docChg>
   </pc:docChgLst>
@@ -234,7 +266,7 @@
           <a:p>
             <a:fld id="{3A64C6B6-0D90-4422-8196-E8AB3A6167F2}" type="datetimeFigureOut">
               <a:rPr lang="de-DE" smtClean="0"/>
-              <a:t>01.08.2024</a:t>
+              <a:t>04.09.2024</a:t>
             </a:fld>
             <a:endParaRPr lang="de-DE"/>
           </a:p>
@@ -732,7 +764,7 @@
           <a:p>
             <a:fld id="{9AC6FF8A-F1FB-4CEC-8F4F-A5E844610686}" type="datetimeFigureOut">
               <a:rPr lang="de-DE" smtClean="0"/>
-              <a:t>01.08.2024</a:t>
+              <a:t>04.09.2024</a:t>
             </a:fld>
             <a:endParaRPr lang="de-DE"/>
           </a:p>
@@ -930,7 +962,7 @@
           <a:p>
             <a:fld id="{9AC6FF8A-F1FB-4CEC-8F4F-A5E844610686}" type="datetimeFigureOut">
               <a:rPr lang="de-DE" smtClean="0"/>
-              <a:t>01.08.2024</a:t>
+              <a:t>04.09.2024</a:t>
             </a:fld>
             <a:endParaRPr lang="de-DE"/>
           </a:p>
@@ -1138,7 +1170,7 @@
           <a:p>
             <a:fld id="{9AC6FF8A-F1FB-4CEC-8F4F-A5E844610686}" type="datetimeFigureOut">
               <a:rPr lang="de-DE" smtClean="0"/>
-              <a:t>01.08.2024</a:t>
+              <a:t>04.09.2024</a:t>
             </a:fld>
             <a:endParaRPr lang="de-DE"/>
           </a:p>
@@ -1336,7 +1368,7 @@
           <a:p>
             <a:fld id="{9AC6FF8A-F1FB-4CEC-8F4F-A5E844610686}" type="datetimeFigureOut">
               <a:rPr lang="de-DE" smtClean="0"/>
-              <a:t>01.08.2024</a:t>
+              <a:t>04.09.2024</a:t>
             </a:fld>
             <a:endParaRPr lang="de-DE"/>
           </a:p>
@@ -1611,7 +1643,7 @@
           <a:p>
             <a:fld id="{9AC6FF8A-F1FB-4CEC-8F4F-A5E844610686}" type="datetimeFigureOut">
               <a:rPr lang="de-DE" smtClean="0"/>
-              <a:t>01.08.2024</a:t>
+              <a:t>04.09.2024</a:t>
             </a:fld>
             <a:endParaRPr lang="de-DE"/>
           </a:p>
@@ -1876,7 +1908,7 @@
           <a:p>
             <a:fld id="{9AC6FF8A-F1FB-4CEC-8F4F-A5E844610686}" type="datetimeFigureOut">
               <a:rPr lang="de-DE" smtClean="0"/>
-              <a:t>01.08.2024</a:t>
+              <a:t>04.09.2024</a:t>
             </a:fld>
             <a:endParaRPr lang="de-DE"/>
           </a:p>
@@ -2288,7 +2320,7 @@
           <a:p>
             <a:fld id="{9AC6FF8A-F1FB-4CEC-8F4F-A5E844610686}" type="datetimeFigureOut">
               <a:rPr lang="de-DE" smtClean="0"/>
-              <a:t>01.08.2024</a:t>
+              <a:t>04.09.2024</a:t>
             </a:fld>
             <a:endParaRPr lang="de-DE"/>
           </a:p>
@@ -2429,7 +2461,7 @@
           <a:p>
             <a:fld id="{9AC6FF8A-F1FB-4CEC-8F4F-A5E844610686}" type="datetimeFigureOut">
               <a:rPr lang="de-DE" smtClean="0"/>
-              <a:t>01.08.2024</a:t>
+              <a:t>04.09.2024</a:t>
             </a:fld>
             <a:endParaRPr lang="de-DE"/>
           </a:p>
@@ -2542,7 +2574,7 @@
           <a:p>
             <a:fld id="{9AC6FF8A-F1FB-4CEC-8F4F-A5E844610686}" type="datetimeFigureOut">
               <a:rPr lang="de-DE" smtClean="0"/>
-              <a:t>01.08.2024</a:t>
+              <a:t>04.09.2024</a:t>
             </a:fld>
             <a:endParaRPr lang="de-DE"/>
           </a:p>
@@ -2853,7 +2885,7 @@
           <a:p>
             <a:fld id="{9AC6FF8A-F1FB-4CEC-8F4F-A5E844610686}" type="datetimeFigureOut">
               <a:rPr lang="de-DE" smtClean="0"/>
-              <a:t>01.08.2024</a:t>
+              <a:t>04.09.2024</a:t>
             </a:fld>
             <a:endParaRPr lang="de-DE"/>
           </a:p>
@@ -3141,7 +3173,7 @@
           <a:p>
             <a:fld id="{9AC6FF8A-F1FB-4CEC-8F4F-A5E844610686}" type="datetimeFigureOut">
               <a:rPr lang="de-DE" smtClean="0"/>
-              <a:t>01.08.2024</a:t>
+              <a:t>04.09.2024</a:t>
             </a:fld>
             <a:endParaRPr lang="de-DE"/>
           </a:p>
@@ -3382,7 +3414,7 @@
           <a:p>
             <a:fld id="{9AC6FF8A-F1FB-4CEC-8F4F-A5E844610686}" type="datetimeFigureOut">
               <a:rPr lang="de-DE" smtClean="0"/>
-              <a:t>01.08.2024</a:t>
+              <a:t>04.09.2024</a:t>
             </a:fld>
             <a:endParaRPr lang="de-DE"/>
           </a:p>
@@ -4110,6 +4142,108 @@
     <p:extLst>
       <p:ext uri="{BB962C8B-B14F-4D97-AF65-F5344CB8AC3E}">
         <p14:creationId xmlns:p14="http://schemas.microsoft.com/office/powerpoint/2010/main" val="912864409"/>
+      </p:ext>
+    </p:extLst>
+  </p:cSld>
+  <p:clrMapOvr>
+    <a:masterClrMapping/>
+  </p:clrMapOvr>
+</p:sld>
+</file>
+
+<file path=ppt/slides/slide2.xml><?xml version="1.0" encoding="utf-8"?>
+<p:sld xmlns:a="http://schemas.openxmlformats.org/drawingml/2006/main" xmlns:r="http://schemas.openxmlformats.org/officeDocument/2006/relationships" xmlns:p="http://schemas.openxmlformats.org/presentationml/2006/main">
+  <p:cSld>
+    <p:spTree>
+      <p:nvGrpSpPr>
+        <p:cNvPr id="1" name=""/>
+        <p:cNvGrpSpPr/>
+        <p:nvPr/>
+      </p:nvGrpSpPr>
+      <p:grpSpPr>
+        <a:xfrm>
+          <a:off x="0" y="0"/>
+          <a:ext cx="0" cy="0"/>
+          <a:chOff x="0" y="0"/>
+          <a:chExt cx="0" cy="0"/>
+        </a:xfrm>
+      </p:grpSpPr>
+      <p:pic>
+        <p:nvPicPr>
+          <p:cNvPr id="3" name="Grafik 2" descr="Ein Bild, das Text, rot, stationär, Stift enthält.&#10;&#10;Automatisch generierte Beschreibung">
+            <a:extLst>
+              <a:ext uri="{FF2B5EF4-FFF2-40B4-BE49-F238E27FC236}">
+                <a16:creationId xmlns:a16="http://schemas.microsoft.com/office/drawing/2014/main" id="{3D44039F-2206-8CEB-64EC-A4E397C15D97}"/>
+              </a:ext>
+            </a:extLst>
+          </p:cNvPr>
+          <p:cNvPicPr>
+            <a:picLocks noChangeAspect="1"/>
+          </p:cNvPicPr>
+          <p:nvPr/>
+        </p:nvPicPr>
+        <p:blipFill>
+          <a:blip r:embed="rId2">
+            <a:alphaModFix/>
+            <a:extLst>
+              <a:ext uri="{28A0092B-C50C-407E-A947-70E740481C1C}">
+                <a14:useLocalDpi xmlns:a14="http://schemas.microsoft.com/office/drawing/2010/main" val="0"/>
+              </a:ext>
+            </a:extLst>
+          </a:blip>
+          <a:srcRect l="39173" r="22467" b="62306"/>
+          <a:stretch/>
+        </p:blipFill>
+        <p:spPr>
+          <a:xfrm flipV="1">
+            <a:off x="-421475" y="609328"/>
+            <a:ext cx="13854011" cy="3606056"/>
+          </a:xfrm>
+          <a:prstGeom prst="rect">
+            <a:avLst/>
+          </a:prstGeom>
+        </p:spPr>
+      </p:pic>
+      <p:pic>
+        <p:nvPicPr>
+          <p:cNvPr id="4" name="Grafik 3" descr="Ein Bild, das Elektronik, Elektrisches Bauelement, Elektronisches Bauteil, passives Bauelement enthält.&#10;&#10;Automatisch generierte Beschreibung">
+            <a:extLst>
+              <a:ext uri="{FF2B5EF4-FFF2-40B4-BE49-F238E27FC236}">
+                <a16:creationId xmlns:a16="http://schemas.microsoft.com/office/drawing/2014/main" id="{343741A7-8F15-1CAE-942E-5F6D35E31463}"/>
+              </a:ext>
+            </a:extLst>
+          </p:cNvPr>
+          <p:cNvPicPr>
+            <a:picLocks noChangeAspect="1"/>
+          </p:cNvPicPr>
+          <p:nvPr/>
+        </p:nvPicPr>
+        <p:blipFill>
+          <a:blip r:embed="rId3">
+            <a:alphaModFix amt="35000"/>
+            <a:extLst>
+              <a:ext uri="{28A0092B-C50C-407E-A947-70E740481C1C}">
+                <a14:useLocalDpi xmlns:a14="http://schemas.microsoft.com/office/drawing/2010/main" val="0"/>
+              </a:ext>
+            </a:extLst>
+          </a:blip>
+          <a:srcRect l="10000" t="24305" r="8333" b="40000"/>
+          <a:stretch/>
+        </p:blipFill>
+        <p:spPr>
+          <a:xfrm>
+            <a:off x="658524" y="373380"/>
+            <a:ext cx="11332151" cy="3714750"/>
+          </a:xfrm>
+          <a:prstGeom prst="rect">
+            <a:avLst/>
+          </a:prstGeom>
+        </p:spPr>
+      </p:pic>
+    </p:spTree>
+    <p:extLst>
+      <p:ext uri="{BB962C8B-B14F-4D97-AF65-F5344CB8AC3E}">
+        <p14:creationId xmlns:p14="http://schemas.microsoft.com/office/powerpoint/2010/main" val="4001649122"/>
       </p:ext>
     </p:extLst>
   </p:cSld>
